--- a/data/COMPRAS.pptx
+++ b/data/COMPRAS.pptx
@@ -104,6 +104,11 @@
       </a:defRPr>
     </a:lvl9pPr>
   </p:defaultTextStyle>
+  <p:extLst>
+    <p:ext uri="{EFAFB233-063F-42B5-8137-9DF3F51BA10A}">
+      <p15:sldGuideLst xmlns:p15="http://schemas.microsoft.com/office/powerpoint/2012/main"/>
+    </p:ext>
+  </p:extLst>
 </p:presentation>
 </file>
 
@@ -254,7 +259,7 @@
           <a:p>
             <a:fld id="{F7A8C2C0-7B56-453B-AF89-29561EFA1E4C}" type="datetimeFigureOut">
               <a:rPr lang="es-ES" smtClean="0"/>
-              <a:t>18/10/2019</a:t>
+              <a:t>21/10/2019</a:t>
             </a:fld>
             <a:endParaRPr lang="es-ES"/>
           </a:p>
@@ -452,7 +457,7 @@
           <a:p>
             <a:fld id="{F7A8C2C0-7B56-453B-AF89-29561EFA1E4C}" type="datetimeFigureOut">
               <a:rPr lang="es-ES" smtClean="0"/>
-              <a:t>18/10/2019</a:t>
+              <a:t>21/10/2019</a:t>
             </a:fld>
             <a:endParaRPr lang="es-ES"/>
           </a:p>
@@ -660,7 +665,7 @@
           <a:p>
             <a:fld id="{F7A8C2C0-7B56-453B-AF89-29561EFA1E4C}" type="datetimeFigureOut">
               <a:rPr lang="es-ES" smtClean="0"/>
-              <a:t>18/10/2019</a:t>
+              <a:t>21/10/2019</a:t>
             </a:fld>
             <a:endParaRPr lang="es-ES"/>
           </a:p>
@@ -858,7 +863,7 @@
           <a:p>
             <a:fld id="{F7A8C2C0-7B56-453B-AF89-29561EFA1E4C}" type="datetimeFigureOut">
               <a:rPr lang="es-ES" smtClean="0"/>
-              <a:t>18/10/2019</a:t>
+              <a:t>21/10/2019</a:t>
             </a:fld>
             <a:endParaRPr lang="es-ES"/>
           </a:p>
@@ -1133,7 +1138,7 @@
           <a:p>
             <a:fld id="{F7A8C2C0-7B56-453B-AF89-29561EFA1E4C}" type="datetimeFigureOut">
               <a:rPr lang="es-ES" smtClean="0"/>
-              <a:t>18/10/2019</a:t>
+              <a:t>21/10/2019</a:t>
             </a:fld>
             <a:endParaRPr lang="es-ES"/>
           </a:p>
@@ -1398,7 +1403,7 @@
           <a:p>
             <a:fld id="{F7A8C2C0-7B56-453B-AF89-29561EFA1E4C}" type="datetimeFigureOut">
               <a:rPr lang="es-ES" smtClean="0"/>
-              <a:t>18/10/2019</a:t>
+              <a:t>21/10/2019</a:t>
             </a:fld>
             <a:endParaRPr lang="es-ES"/>
           </a:p>
@@ -1810,7 +1815,7 @@
           <a:p>
             <a:fld id="{F7A8C2C0-7B56-453B-AF89-29561EFA1E4C}" type="datetimeFigureOut">
               <a:rPr lang="es-ES" smtClean="0"/>
-              <a:t>18/10/2019</a:t>
+              <a:t>21/10/2019</a:t>
             </a:fld>
             <a:endParaRPr lang="es-ES"/>
           </a:p>
@@ -1951,7 +1956,7 @@
           <a:p>
             <a:fld id="{F7A8C2C0-7B56-453B-AF89-29561EFA1E4C}" type="datetimeFigureOut">
               <a:rPr lang="es-ES" smtClean="0"/>
-              <a:t>18/10/2019</a:t>
+              <a:t>21/10/2019</a:t>
             </a:fld>
             <a:endParaRPr lang="es-ES"/>
           </a:p>
@@ -2064,7 +2069,7 @@
           <a:p>
             <a:fld id="{F7A8C2C0-7B56-453B-AF89-29561EFA1E4C}" type="datetimeFigureOut">
               <a:rPr lang="es-ES" smtClean="0"/>
-              <a:t>18/10/2019</a:t>
+              <a:t>21/10/2019</a:t>
             </a:fld>
             <a:endParaRPr lang="es-ES"/>
           </a:p>
@@ -2375,7 +2380,7 @@
           <a:p>
             <a:fld id="{F7A8C2C0-7B56-453B-AF89-29561EFA1E4C}" type="datetimeFigureOut">
               <a:rPr lang="es-ES" smtClean="0"/>
-              <a:t>18/10/2019</a:t>
+              <a:t>21/10/2019</a:t>
             </a:fld>
             <a:endParaRPr lang="es-ES"/>
           </a:p>
@@ -2663,7 +2668,7 @@
           <a:p>
             <a:fld id="{F7A8C2C0-7B56-453B-AF89-29561EFA1E4C}" type="datetimeFigureOut">
               <a:rPr lang="es-ES" smtClean="0"/>
-              <a:t>18/10/2019</a:t>
+              <a:t>21/10/2019</a:t>
             </a:fld>
             <a:endParaRPr lang="es-ES"/>
           </a:p>
@@ -2904,7 +2909,7 @@
           <a:p>
             <a:fld id="{F7A8C2C0-7B56-453B-AF89-29561EFA1E4C}" type="datetimeFigureOut">
               <a:rPr lang="es-ES" smtClean="0"/>
-              <a:t>18/10/2019</a:t>
+              <a:t>21/10/2019</a:t>
             </a:fld>
             <a:endParaRPr lang="es-ES"/>
           </a:p>
@@ -3628,8 +3633,8 @@
         </p:nvSpPr>
         <p:spPr>
           <a:xfrm>
-            <a:off x="10126135" y="2713419"/>
-            <a:ext cx="1744133" cy="1292662"/>
+            <a:off x="9956804" y="2770504"/>
+            <a:ext cx="1744133" cy="1015663"/>
           </a:xfrm>
           <a:prstGeom prst="rect">
             <a:avLst/>
@@ -3665,12 +3670,6 @@
             <a:r>
               <a:rPr lang="es-ES" u="sng" dirty="0"/>
               <a:t>ID IVA</a:t>
-            </a:r>
-          </a:p>
-          <a:p>
-            <a:r>
-              <a:rPr lang="es-ES" dirty="0"/>
-              <a:t>TIPO IVA</a:t>
             </a:r>
           </a:p>
           <a:p>
@@ -3755,8 +3754,8 @@
           </a:p>
           <a:p>
             <a:r>
-              <a:rPr lang="es-ES" dirty="0"/>
-              <a:t>TIPO</a:t>
+              <a:rPr lang="es-ES" b="1" dirty="0"/>
+              <a:t>ID TIPO</a:t>
             </a:r>
           </a:p>
           <a:p>
@@ -3834,8 +3833,70 @@
           </a:p>
           <a:p>
             <a:r>
+              <a:rPr lang="es-ES"/>
+              <a:t>PRECIO</a:t>
+            </a:r>
+            <a:endParaRPr lang="es-ES" b="1" dirty="0"/>
+          </a:p>
+        </p:txBody>
+      </p:sp>
+      <p:sp>
+        <p:nvSpPr>
+          <p:cNvPr id="10" name="CuadroTexto 9">
+            <a:extLst>
+              <a:ext uri="{FF2B5EF4-FFF2-40B4-BE49-F238E27FC236}">
+                <a16:creationId xmlns:a16="http://schemas.microsoft.com/office/drawing/2014/main" id="{7F698CAA-4065-4E97-882B-77D4DA517DF6}"/>
+              </a:ext>
+            </a:extLst>
+          </p:cNvPr>
+          <p:cNvSpPr txBox="1"/>
+          <p:nvPr/>
+        </p:nvSpPr>
+        <p:spPr>
+          <a:xfrm>
+            <a:off x="4351870" y="4101089"/>
+            <a:ext cx="3556000" cy="1015663"/>
+          </a:xfrm>
+          <a:prstGeom prst="rect">
+            <a:avLst/>
+          </a:prstGeom>
+        </p:spPr>
+        <p:style>
+          <a:lnRef idx="2">
+            <a:schemeClr val="dk1"/>
+          </a:lnRef>
+          <a:fillRef idx="1">
+            <a:schemeClr val="lt1"/>
+          </a:fillRef>
+          <a:effectRef idx="0">
+            <a:schemeClr val="dk1"/>
+          </a:effectRef>
+          <a:fontRef idx="minor">
+            <a:schemeClr val="dk1"/>
+          </a:fontRef>
+        </p:style>
+        <p:txBody>
+          <a:bodyPr wrap="square" rtlCol="0">
+            <a:spAutoFit/>
+          </a:bodyPr>
+          <a:lstStyle/>
+          <a:p>
+            <a:pPr algn="ctr"/>
+            <a:r>
+              <a:rPr lang="es-ES" sz="2400" dirty="0"/>
+              <a:t>TIPO-ARTICULO</a:t>
+            </a:r>
+          </a:p>
+          <a:p>
+            <a:r>
+              <a:rPr lang="es-ES" b="1" dirty="0"/>
+              <a:t>ID TIPO</a:t>
+            </a:r>
+          </a:p>
+          <a:p>
+            <a:r>
               <a:rPr lang="es-ES" dirty="0"/>
-              <a:t>PRECIO - NO PONER EN ARTICULO</a:t>
+              <a:t>DESCRIPCIÓN</a:t>
             </a:r>
             <a:endParaRPr lang="es-ES" b="1" dirty="0"/>
           </a:p>
